--- a/코틀린.pptx
+++ b/코틀린.pptx
@@ -228,7 +228,7 @@
           <a:p>
             <a:fld id="{CDBC6762-63FD-4398-915C-723C7B7FA141}" type="datetimeFigureOut">
               <a:rPr lang="ko-KR" altLang="en-US" smtClean="0"/>
-              <a:t>2020-11-16</a:t>
+              <a:t>2021-05-14</a:t>
             </a:fld>
             <a:endParaRPr lang="ko-KR" altLang="en-US"/>
           </a:p>
@@ -1163,7 +1163,7 @@
           <a:p>
             <a:fld id="{E9AF8C8A-2831-4262-ACE7-9538D8BE3635}" type="datetimeFigureOut">
               <a:rPr lang="ko-KR" altLang="en-US" smtClean="0"/>
-              <a:t>2020-11-16</a:t>
+              <a:t>2021-05-14</a:t>
             </a:fld>
             <a:endParaRPr lang="ko-KR" altLang="en-US"/>
           </a:p>
@@ -1461,7 +1461,7 @@
           <a:p>
             <a:fld id="{E9AF8C8A-2831-4262-ACE7-9538D8BE3635}" type="datetimeFigureOut">
               <a:rPr lang="ko-KR" altLang="en-US" smtClean="0"/>
-              <a:t>2020-11-16</a:t>
+              <a:t>2021-05-14</a:t>
             </a:fld>
             <a:endParaRPr lang="ko-KR" altLang="en-US"/>
           </a:p>
@@ -1653,7 +1653,7 @@
           <a:p>
             <a:fld id="{E9AF8C8A-2831-4262-ACE7-9538D8BE3635}" type="datetimeFigureOut">
               <a:rPr lang="ko-KR" altLang="en-US" smtClean="0"/>
-              <a:t>2020-11-16</a:t>
+              <a:t>2021-05-14</a:t>
             </a:fld>
             <a:endParaRPr lang="ko-KR" altLang="en-US"/>
           </a:p>
@@ -1914,7 +1914,7 @@
           <a:p>
             <a:fld id="{E9AF8C8A-2831-4262-ACE7-9538D8BE3635}" type="datetimeFigureOut">
               <a:rPr lang="ko-KR" altLang="en-US" smtClean="0"/>
-              <a:t>2020-11-16</a:t>
+              <a:t>2021-05-14</a:t>
             </a:fld>
             <a:endParaRPr lang="ko-KR" altLang="en-US"/>
           </a:p>
@@ -2338,7 +2338,7 @@
           <a:p>
             <a:fld id="{E9AF8C8A-2831-4262-ACE7-9538D8BE3635}" type="datetimeFigureOut">
               <a:rPr lang="ko-KR" altLang="en-US" smtClean="0"/>
-              <a:t>2020-11-16</a:t>
+              <a:t>2021-05-14</a:t>
             </a:fld>
             <a:endParaRPr lang="ko-KR" altLang="en-US"/>
           </a:p>
@@ -2875,7 +2875,7 @@
           <a:p>
             <a:fld id="{E9AF8C8A-2831-4262-ACE7-9538D8BE3635}" type="datetimeFigureOut">
               <a:rPr lang="ko-KR" altLang="en-US" smtClean="0"/>
-              <a:t>2020-11-16</a:t>
+              <a:t>2021-05-14</a:t>
             </a:fld>
             <a:endParaRPr lang="ko-KR" altLang="en-US"/>
           </a:p>
@@ -3739,7 +3739,7 @@
           <a:p>
             <a:fld id="{E9AF8C8A-2831-4262-ACE7-9538D8BE3635}" type="datetimeFigureOut">
               <a:rPr lang="ko-KR" altLang="en-US" smtClean="0"/>
-              <a:t>2020-11-16</a:t>
+              <a:t>2021-05-14</a:t>
             </a:fld>
             <a:endParaRPr lang="ko-KR" altLang="en-US"/>
           </a:p>
@@ -3909,7 +3909,7 @@
           <a:p>
             <a:fld id="{E9AF8C8A-2831-4262-ACE7-9538D8BE3635}" type="datetimeFigureOut">
               <a:rPr lang="ko-KR" altLang="en-US" smtClean="0"/>
-              <a:t>2020-11-16</a:t>
+              <a:t>2021-05-14</a:t>
             </a:fld>
             <a:endParaRPr lang="ko-KR" altLang="en-US"/>
           </a:p>
@@ -4093,7 +4093,7 @@
           <a:p>
             <a:fld id="{E9AF8C8A-2831-4262-ACE7-9538D8BE3635}" type="datetimeFigureOut">
               <a:rPr lang="ko-KR" altLang="en-US" smtClean="0"/>
-              <a:t>2020-11-16</a:t>
+              <a:t>2021-05-14</a:t>
             </a:fld>
             <a:endParaRPr lang="ko-KR" altLang="en-US"/>
           </a:p>
@@ -4263,7 +4263,7 @@
           <a:p>
             <a:fld id="{E9AF8C8A-2831-4262-ACE7-9538D8BE3635}" type="datetimeFigureOut">
               <a:rPr lang="ko-KR" altLang="en-US" smtClean="0"/>
-              <a:t>2020-11-16</a:t>
+              <a:t>2021-05-14</a:t>
             </a:fld>
             <a:endParaRPr lang="ko-KR" altLang="en-US"/>
           </a:p>
@@ -4507,7 +4507,7 @@
           <a:p>
             <a:fld id="{E9AF8C8A-2831-4262-ACE7-9538D8BE3635}" type="datetimeFigureOut">
               <a:rPr lang="ko-KR" altLang="en-US" smtClean="0"/>
-              <a:t>2020-11-16</a:t>
+              <a:t>2021-05-14</a:t>
             </a:fld>
             <a:endParaRPr lang="ko-KR" altLang="en-US"/>
           </a:p>
@@ -4743,7 +4743,7 @@
           <a:p>
             <a:fld id="{E9AF8C8A-2831-4262-ACE7-9538D8BE3635}" type="datetimeFigureOut">
               <a:rPr lang="ko-KR" altLang="en-US" smtClean="0"/>
-              <a:t>2020-11-16</a:t>
+              <a:t>2021-05-14</a:t>
             </a:fld>
             <a:endParaRPr lang="ko-KR" altLang="en-US"/>
           </a:p>
@@ -5209,7 +5209,7 @@
           <a:p>
             <a:fld id="{E9AF8C8A-2831-4262-ACE7-9538D8BE3635}" type="datetimeFigureOut">
               <a:rPr lang="ko-KR" altLang="en-US" smtClean="0"/>
-              <a:t>2020-11-16</a:t>
+              <a:t>2021-05-14</a:t>
             </a:fld>
             <a:endParaRPr lang="ko-KR" altLang="en-US"/>
           </a:p>
@@ -5327,7 +5327,7 @@
           <a:p>
             <a:fld id="{E9AF8C8A-2831-4262-ACE7-9538D8BE3635}" type="datetimeFigureOut">
               <a:rPr lang="ko-KR" altLang="en-US" smtClean="0"/>
-              <a:t>2020-11-16</a:t>
+              <a:t>2021-05-14</a:t>
             </a:fld>
             <a:endParaRPr lang="ko-KR" altLang="en-US"/>
           </a:p>
@@ -5422,7 +5422,7 @@
           <a:p>
             <a:fld id="{E9AF8C8A-2831-4262-ACE7-9538D8BE3635}" type="datetimeFigureOut">
               <a:rPr lang="ko-KR" altLang="en-US" smtClean="0"/>
-              <a:t>2020-11-16</a:t>
+              <a:t>2021-05-14</a:t>
             </a:fld>
             <a:endParaRPr lang="ko-KR" altLang="en-US"/>
           </a:p>
@@ -5677,7 +5677,7 @@
           <a:p>
             <a:fld id="{E9AF8C8A-2831-4262-ACE7-9538D8BE3635}" type="datetimeFigureOut">
               <a:rPr lang="ko-KR" altLang="en-US" smtClean="0"/>
-              <a:t>2020-11-16</a:t>
+              <a:t>2021-05-14</a:t>
             </a:fld>
             <a:endParaRPr lang="ko-KR" altLang="en-US"/>
           </a:p>
@@ -5977,7 +5977,7 @@
           <a:p>
             <a:fld id="{E9AF8C8A-2831-4262-ACE7-9538D8BE3635}" type="datetimeFigureOut">
               <a:rPr lang="ko-KR" altLang="en-US" smtClean="0"/>
-              <a:t>2020-11-16</a:t>
+              <a:t>2021-05-14</a:t>
             </a:fld>
             <a:endParaRPr lang="ko-KR" altLang="en-US"/>
           </a:p>
@@ -6211,7 +6211,7 @@
           <a:p>
             <a:fld id="{E9AF8C8A-2831-4262-ACE7-9538D8BE3635}" type="datetimeFigureOut">
               <a:rPr lang="ko-KR" altLang="en-US" smtClean="0"/>
-              <a:t>2020-11-16</a:t>
+              <a:t>2021-05-14</a:t>
             </a:fld>
             <a:endParaRPr lang="ko-KR" altLang="en-US"/>
           </a:p>
@@ -11207,7 +11207,7 @@
             <p:ph idx="1"/>
             <p:extLst>
               <p:ext uri="{D42A27DB-BD31-4B8C-83A1-F6EECF244321}">
-                <p14:modId xmlns:p14="http://schemas.microsoft.com/office/powerpoint/2010/main" val="1737996266"/>
+                <p14:modId xmlns:p14="http://schemas.microsoft.com/office/powerpoint/2010/main" val="2282252045"/>
               </p:ext>
             </p:extLst>
           </p:nvPr>
@@ -11313,6 +11313,79 @@
                     </a:p>
                     <a:p>
                       <a:pPr latinLnBrk="1"/>
+                      <a:r>
+                        <a:rPr lang="ko-KR" altLang="en-US" dirty="0" err="1" smtClean="0">
+                          <a:solidFill>
+                            <a:schemeClr val="tx1"/>
+                          </a:solidFill>
+                        </a:rPr>
+                        <a:t>코틀린</a:t>
+                      </a:r>
+                      <a:r>
+                        <a:rPr lang="ko-KR" altLang="en-US" dirty="0" smtClean="0">
+                          <a:solidFill>
+                            <a:schemeClr val="tx1"/>
+                          </a:solidFill>
+                        </a:rPr>
+                        <a:t> 온라인 실행</a:t>
+                      </a:r>
+                      <a:endParaRPr lang="en-US" altLang="ko-KR" dirty="0">
+                        <a:solidFill>
+                          <a:schemeClr val="tx1"/>
+                        </a:solidFill>
+                      </a:endParaRPr>
+                    </a:p>
+                    <a:p>
+                      <a:pPr latinLnBrk="1"/>
+                      <a:r>
+                        <a:rPr lang="en-US" altLang="ko-KR" dirty="0" smtClean="0">
+                          <a:solidFill>
+                            <a:schemeClr val="tx1"/>
+                          </a:solidFill>
+                          <a:hlinkClick r:id="rId3"/>
+                        </a:rPr>
+                        <a:t>https://play.kotlinlang.org/</a:t>
+                      </a:r>
+                      <a:endParaRPr lang="en-US" altLang="ko-KR" dirty="0">
+                        <a:solidFill>
+                          <a:schemeClr val="tx1"/>
+                        </a:solidFill>
+                      </a:endParaRPr>
+                    </a:p>
+                    <a:p>
+                      <a:pPr latinLnBrk="1"/>
+                      <a:endParaRPr lang="en-US" altLang="ko-KR" dirty="0" smtClean="0">
+                        <a:solidFill>
+                          <a:schemeClr val="tx1"/>
+                        </a:solidFill>
+                      </a:endParaRPr>
+                    </a:p>
+                    <a:p>
+                      <a:pPr latinLnBrk="1"/>
+                      <a:endParaRPr lang="en-US" altLang="ko-KR" smtClean="0">
+                        <a:solidFill>
+                          <a:schemeClr val="tx1"/>
+                        </a:solidFill>
+                      </a:endParaRPr>
+                    </a:p>
+                    <a:p>
+                      <a:pPr latinLnBrk="1"/>
+                      <a:endParaRPr lang="en-US" altLang="ko-KR" dirty="0">
+                        <a:solidFill>
+                          <a:schemeClr val="tx1"/>
+                        </a:solidFill>
+                      </a:endParaRPr>
+                    </a:p>
+                    <a:p>
+                      <a:pPr latinLnBrk="1"/>
+                      <a:r>
+                        <a:rPr lang="ko-KR" altLang="en-US" dirty="0">
+                          <a:solidFill>
+                            <a:schemeClr val="tx1"/>
+                          </a:solidFill>
+                        </a:rPr>
+                        <a:t>관련 자료</a:t>
+                      </a:r>
                       <a:endParaRPr lang="en-US" altLang="ko-KR" dirty="0">
                         <a:solidFill>
                           <a:schemeClr val="tx1"/>
@@ -11329,6 +11402,39 @@
                     </a:p>
                     <a:p>
                       <a:pPr latinLnBrk="1"/>
+                      <a:r>
+                        <a:rPr lang="ko-KR" altLang="en-US" dirty="0" err="1">
+                          <a:solidFill>
+                            <a:schemeClr val="tx1"/>
+                          </a:solidFill>
+                        </a:rPr>
+                        <a:t>코틀린</a:t>
+                      </a:r>
+                      <a:r>
+                        <a:rPr lang="ko-KR" altLang="en-US" dirty="0">
+                          <a:solidFill>
+                            <a:schemeClr val="tx1"/>
+                          </a:solidFill>
+                        </a:rPr>
+                        <a:t> 기본 예제</a:t>
+                      </a:r>
+                      <a:endParaRPr lang="en-US" altLang="ko-KR" dirty="0">
+                        <a:solidFill>
+                          <a:schemeClr val="tx1"/>
+                        </a:solidFill>
+                      </a:endParaRPr>
+                    </a:p>
+                    <a:p>
+                      <a:pPr latinLnBrk="1"/>
+                      <a:r>
+                        <a:rPr lang="en-US" altLang="ko-KR" dirty="0">
+                          <a:solidFill>
+                            <a:schemeClr val="tx1"/>
+                          </a:solidFill>
+                          <a:hlinkClick r:id="rId4"/>
+                        </a:rPr>
+                        <a:t>https://github.com/saro-example/kotlin-1-basic</a:t>
+                      </a:r>
                       <a:endParaRPr lang="en-US" altLang="ko-KR" dirty="0">
                         <a:solidFill>
                           <a:schemeClr val="tx1"/>
@@ -11345,6 +11451,38 @@
                     </a:p>
                     <a:p>
                       <a:pPr latinLnBrk="1"/>
+                      <a:r>
+                        <a:rPr lang="ko-KR" altLang="en-US" dirty="0" err="1">
+                          <a:solidFill>
+                            <a:schemeClr val="tx1"/>
+                          </a:solidFill>
+                        </a:rPr>
+                        <a:t>코틀린</a:t>
+                      </a:r>
+                      <a:r>
+                        <a:rPr lang="ko-KR" altLang="en-US" dirty="0">
+                          <a:solidFill>
+                            <a:schemeClr val="tx1"/>
+                          </a:solidFill>
+                        </a:rPr>
+                        <a:t> </a:t>
+                      </a:r>
+                      <a:r>
+                        <a:rPr lang="en-US" altLang="ko-KR" dirty="0">
+                          <a:solidFill>
+                            <a:schemeClr val="tx1"/>
+                          </a:solidFill>
+                        </a:rPr>
+                        <a:t>Spring + JPA </a:t>
+                      </a:r>
+                      <a:r>
+                        <a:rPr lang="ko-KR" altLang="en-US" dirty="0">
+                          <a:solidFill>
+                            <a:schemeClr val="tx1"/>
+                          </a:solidFill>
+                        </a:rPr>
+                        <a:t>예제</a:t>
+                      </a:r>
                       <a:endParaRPr lang="en-US" altLang="ko-KR" dirty="0">
                         <a:solidFill>
                           <a:schemeClr val="tx1"/>
@@ -11354,124 +11492,11 @@
                     <a:p>
                       <a:pPr latinLnBrk="1"/>
                       <a:r>
-                        <a:rPr lang="ko-KR" altLang="en-US" dirty="0">
-                          <a:solidFill>
-                            <a:schemeClr val="tx1"/>
-                          </a:solidFill>
-                        </a:rPr>
-                        <a:t>관련 자료</a:t>
-                      </a:r>
-                      <a:endParaRPr lang="en-US" altLang="ko-KR" dirty="0">
-                        <a:solidFill>
-                          <a:schemeClr val="tx1"/>
-                        </a:solidFill>
-                      </a:endParaRPr>
-                    </a:p>
-                    <a:p>
-                      <a:pPr latinLnBrk="1"/>
-                      <a:endParaRPr lang="en-US" altLang="ko-KR" dirty="0">
-                        <a:solidFill>
-                          <a:schemeClr val="tx1"/>
-                        </a:solidFill>
-                      </a:endParaRPr>
-                    </a:p>
-                    <a:p>
-                      <a:pPr latinLnBrk="1"/>
-                      <a:r>
-                        <a:rPr lang="ko-KR" altLang="en-US" dirty="0" err="1">
-                          <a:solidFill>
-                            <a:schemeClr val="tx1"/>
-                          </a:solidFill>
-                        </a:rPr>
-                        <a:t>코틀린</a:t>
-                      </a:r>
-                      <a:r>
-                        <a:rPr lang="ko-KR" altLang="en-US" dirty="0">
-                          <a:solidFill>
-                            <a:schemeClr val="tx1"/>
-                          </a:solidFill>
-                        </a:rPr>
-                        <a:t> 기본 예제</a:t>
-                      </a:r>
-                      <a:endParaRPr lang="en-US" altLang="ko-KR" dirty="0">
-                        <a:solidFill>
-                          <a:schemeClr val="tx1"/>
-                        </a:solidFill>
-                      </a:endParaRPr>
-                    </a:p>
-                    <a:p>
-                      <a:pPr latinLnBrk="1"/>
-                      <a:r>
                         <a:rPr lang="en-US" altLang="ko-KR" dirty="0">
                           <a:solidFill>
                             <a:schemeClr val="tx1"/>
                           </a:solidFill>
-                          <a:hlinkClick r:id="rId3"/>
-                        </a:rPr>
-                        <a:t>https://github.com/saro-example/kotlin-1-basic</a:t>
-                      </a:r>
-                      <a:endParaRPr lang="en-US" altLang="ko-KR" dirty="0">
-                        <a:solidFill>
-                          <a:schemeClr val="tx1"/>
-                        </a:solidFill>
-                      </a:endParaRPr>
-                    </a:p>
-                    <a:p>
-                      <a:pPr latinLnBrk="1"/>
-                      <a:endParaRPr lang="en-US" altLang="ko-KR" dirty="0">
-                        <a:solidFill>
-                          <a:schemeClr val="tx1"/>
-                        </a:solidFill>
-                      </a:endParaRPr>
-                    </a:p>
-                    <a:p>
-                      <a:pPr latinLnBrk="1"/>
-                      <a:r>
-                        <a:rPr lang="ko-KR" altLang="en-US" dirty="0" err="1">
-                          <a:solidFill>
-                            <a:schemeClr val="tx1"/>
-                          </a:solidFill>
-                        </a:rPr>
-                        <a:t>코틀린</a:t>
-                      </a:r>
-                      <a:r>
-                        <a:rPr lang="ko-KR" altLang="en-US" dirty="0">
-                          <a:solidFill>
-                            <a:schemeClr val="tx1"/>
-                          </a:solidFill>
-                        </a:rPr>
-                        <a:t> </a:t>
-                      </a:r>
-                      <a:r>
-                        <a:rPr lang="en-US" altLang="ko-KR" dirty="0">
-                          <a:solidFill>
-                            <a:schemeClr val="tx1"/>
-                          </a:solidFill>
-                        </a:rPr>
-                        <a:t>Spring + JPA </a:t>
-                      </a:r>
-                      <a:r>
-                        <a:rPr lang="ko-KR" altLang="en-US" dirty="0">
-                          <a:solidFill>
-                            <a:schemeClr val="tx1"/>
-                          </a:solidFill>
-                        </a:rPr>
-                        <a:t>예제</a:t>
-                      </a:r>
-                      <a:endParaRPr lang="en-US" altLang="ko-KR" dirty="0">
-                        <a:solidFill>
-                          <a:schemeClr val="tx1"/>
-                        </a:solidFill>
-                      </a:endParaRPr>
-                    </a:p>
-                    <a:p>
-                      <a:pPr latinLnBrk="1"/>
-                      <a:r>
-                        <a:rPr lang="en-US" altLang="ko-KR" dirty="0">
-                          <a:solidFill>
-                            <a:schemeClr val="tx1"/>
-                          </a:solidFill>
-                          <a:hlinkClick r:id="rId4"/>
+                          <a:hlinkClick r:id="rId5"/>
                         </a:rPr>
                         <a:t>https://github.com/saro-example/kotlin-2-jpa</a:t>
                       </a:r>
@@ -11603,7 +11628,7 @@
           <p:nvPr/>
         </p:nvPicPr>
         <p:blipFill>
-          <a:blip r:embed="rId5"/>
+          <a:blip r:embed="rId6"/>
           <a:stretch>
             <a:fillRect/>
           </a:stretch>
@@ -14026,7 +14051,7 @@
         </p:nvGraphicFramePr>
         <p:xfrm>
           <a:off x="914400" y="1731964"/>
-          <a:ext cx="10353680" cy="4854448"/>
+          <a:ext cx="10353680" cy="4892040"/>
         </p:xfrm>
         <a:graphic>
           <a:graphicData uri="http://schemas.openxmlformats.org/drawingml/2006/table">
@@ -14145,6 +14170,10 @@
                       <a:r>
                         <a:rPr lang="en-US" altLang="ko-KR" sz="1400" b="0" dirty="0" err="1"/>
                         <a:t>a..b</a:t>
+                      </a:r>
+                      <a:r>
+                        <a:rPr lang="en-US" altLang="ko-KR" sz="1400" b="0" dirty="0"/>
+                        <a:t/>
                       </a:r>
                       <a:br>
                         <a:rPr lang="en-US" altLang="ko-KR" sz="1400" b="0" dirty="0"/>
